--- a/transition_probability_estimates/smoking_transitions_England.pptx
+++ b/transition_probability_estimates/smoking_transitions_England.pptx
@@ -3177,7 +3177,7 @@
             </a:pPr>
             <a:r>
               <a:rPr/>
-              <a:t>01 November 2023</a:t>
+              <a:t>28 December 2023</a:t>
             </a:r>
           </a:p>
         </p:txBody>
